--- a/최종)온라인 화상 면접 웹애플리케이션.pptx
+++ b/최종)온라인 화상 면접 웹애플리케이션.pptx
@@ -11376,7 +11376,7 @@
         </p:blipFill>
         <p:spPr bwMode="auto">
           <a:xfrm>
-            <a:off x="899592" y="1280943"/>
+            <a:off x="917392" y="1563473"/>
             <a:ext cx="7018337" cy="3863975"/>
           </a:xfrm>
           <a:prstGeom prst="rect">
@@ -11903,6 +11903,80 @@
               <a:t>GitHub</a:t>
             </a:r>
             <a:endParaRPr lang="ko-KR" altLang="en-US" dirty="0"/>
+          </a:p>
+        </p:txBody>
+      </p:sp>
+      <p:pic>
+        <p:nvPicPr>
+          <p:cNvPr id="2" name="그림 1"/>
+          <p:cNvPicPr>
+            <a:picLocks noChangeAspect="1"/>
+          </p:cNvPicPr>
+          <p:nvPr/>
+        </p:nvPicPr>
+        <p:blipFill>
+          <a:blip r:embed="rId3">
+            <a:extLst>
+              <a:ext uri="{28A0092B-C50C-407E-A947-70E740481C1C}">
+                <a14:useLocalDpi xmlns:a14="http://schemas.microsoft.com/office/drawing/2010/main" val="0"/>
+              </a:ext>
+            </a:extLst>
+          </a:blip>
+          <a:stretch>
+            <a:fillRect/>
+          </a:stretch>
+        </p:blipFill>
+        <p:spPr>
+          <a:xfrm>
+            <a:off x="917388" y="1642057"/>
+            <a:ext cx="7348787" cy="4712208"/>
+          </a:xfrm>
+          <a:prstGeom prst="rect">
+            <a:avLst/>
+          </a:prstGeom>
+        </p:spPr>
+      </p:pic>
+      <p:sp>
+        <p:nvSpPr>
+          <p:cNvPr id="3" name="TextBox 2"/>
+          <p:cNvSpPr txBox="1"/>
+          <p:nvPr/>
+        </p:nvSpPr>
+        <p:spPr>
+          <a:xfrm>
+            <a:off x="917388" y="1169729"/>
+            <a:ext cx="7178100" cy="477054"/>
+          </a:xfrm>
+          <a:prstGeom prst="rect">
+            <a:avLst/>
+          </a:prstGeom>
+          <a:noFill/>
+        </p:spPr>
+        <p:txBody>
+          <a:bodyPr wrap="square" rtlCol="0">
+            <a:spAutoFit/>
+          </a:bodyPr>
+          <a:lstStyle/>
+          <a:p>
+            <a:r>
+              <a:rPr lang="en-US" altLang="ko-KR" sz="2500" b="1" dirty="0">
+                <a:solidFill>
+                  <a:schemeClr val="accent5"/>
+                </a:solidFill>
+                <a:latin typeface="함초롬돋움" panose="020B0604000101010101" pitchFamily="50" charset="-127"/>
+                <a:ea typeface="함초롬돋움" panose="020B0604000101010101" pitchFamily="50" charset="-127"/>
+                <a:cs typeface="함초롬돋움" panose="020B0604000101010101" pitchFamily="50" charset="-127"/>
+              </a:rPr>
+              <a:t>https://github.com/mwan91/-----------.git</a:t>
+            </a:r>
+            <a:endParaRPr lang="ko-KR" altLang="en-US" sz="2500" b="1" dirty="0">
+              <a:solidFill>
+                <a:schemeClr val="accent5"/>
+              </a:solidFill>
+              <a:latin typeface="함초롬돋움" panose="020B0604000101010101" pitchFamily="50" charset="-127"/>
+              <a:ea typeface="함초롬돋움" panose="020B0604000101010101" pitchFamily="50" charset="-127"/>
+              <a:cs typeface="함초롬돋움" panose="020B0604000101010101" pitchFamily="50" charset="-127"/>
+            </a:endParaRPr>
           </a:p>
         </p:txBody>
       </p:sp>

--- a/최종)온라인 화상 면접 웹애플리케이션.pptx
+++ b/최종)온라인 화상 면접 웹애플리케이션.pptx
@@ -5,7 +5,7 @@
     <p:sldMasterId id="2147483672" r:id="rId1"/>
   </p:sldMasterIdLst>
   <p:notesMasterIdLst>
-    <p:notesMasterId r:id="rId20"/>
+    <p:notesMasterId r:id="rId21"/>
   </p:notesMasterIdLst>
   <p:sldIdLst>
     <p:sldId id="257" r:id="rId2"/>
@@ -26,6 +26,7 @@
     <p:sldId id="274" r:id="rId17"/>
     <p:sldId id="283" r:id="rId18"/>
     <p:sldId id="275" r:id="rId19"/>
+    <p:sldId id="285" r:id="rId20"/>
   </p:sldIdLst>
   <p:sldSz cx="9144000" cy="6858000" type="screen4x3"/>
   <p:notesSz cx="6858000" cy="9144000"/>
@@ -1416,6 +1417,100 @@
 </p:notes>
 </file>
 
+<file path=ppt/notesSlides/notesSlide19.xml><?xml version="1.0" encoding="utf-8"?>
+<p:notes xmlns:a="http://schemas.openxmlformats.org/drawingml/2006/main" xmlns:r="http://schemas.openxmlformats.org/officeDocument/2006/relationships" xmlns:p="http://schemas.openxmlformats.org/presentationml/2006/main">
+  <p:cSld>
+    <p:spTree>
+      <p:nvGrpSpPr>
+        <p:cNvPr id="1" name=""/>
+        <p:cNvGrpSpPr/>
+        <p:nvPr/>
+      </p:nvGrpSpPr>
+      <p:grpSpPr>
+        <a:xfrm>
+          <a:off x="0" y="0"/>
+          <a:ext cx="0" cy="0"/>
+          <a:chOff x="0" y="0"/>
+          <a:chExt cx="0" cy="0"/>
+        </a:xfrm>
+      </p:grpSpPr>
+      <p:sp>
+        <p:nvSpPr>
+          <p:cNvPr id="2" name="슬라이드 이미지 개체 틀 1"/>
+          <p:cNvSpPr>
+            <a:spLocks noGrp="1" noRot="1" noChangeAspect="1" noTextEdit="1"/>
+          </p:cNvSpPr>
+          <p:nvPr>
+            <p:ph type="sldImg"/>
+          </p:nvPr>
+        </p:nvSpPr>
+        <p:spPr>
+          <a:xfrm>
+            <a:off x="1371600" y="1143000"/>
+            <a:ext cx="4114800" cy="3086100"/>
+          </a:xfrm>
+        </p:spPr>
+      </p:sp>
+      <p:sp>
+        <p:nvSpPr>
+          <p:cNvPr id="3" name="슬라이드 노트 개체 틀 2"/>
+          <p:cNvSpPr>
+            <a:spLocks noGrp="1"/>
+          </p:cNvSpPr>
+          <p:nvPr>
+            <p:ph type="body" idx="1"/>
+          </p:nvPr>
+        </p:nvSpPr>
+        <p:spPr/>
+        <p:txBody>
+          <a:bodyPr>
+            <a:normAutofit/>
+          </a:bodyPr>
+          <a:lstStyle/>
+          <a:p>
+            <a:pPr lvl="0"/>
+            <a:endParaRPr lang="ko-KR" altLang="en-US"/>
+          </a:p>
+        </p:txBody>
+      </p:sp>
+      <p:sp>
+        <p:nvSpPr>
+          <p:cNvPr id="4" name="슬라이드 번호 개체 틀 3"/>
+          <p:cNvSpPr>
+            <a:spLocks noGrp="1"/>
+          </p:cNvSpPr>
+          <p:nvPr>
+            <p:ph type="sldNum" sz="quarter" idx="10"/>
+          </p:nvPr>
+        </p:nvSpPr>
+        <p:spPr/>
+        <p:txBody>
+          <a:bodyPr/>
+          <a:lstStyle/>
+          <a:p>
+            <a:pPr lvl="0"/>
+            <a:fld id="{24EEE82D-EF1E-4CCE-82AE-FC162003E44E}" type="slidenum">
+              <a:rPr lang="en-US" altLang="en-US"/>
+              <a:pPr lvl="0"/>
+              <a:t>19</a:t>
+            </a:fld>
+            <a:endParaRPr lang="en-US" altLang="en-US"/>
+          </a:p>
+        </p:txBody>
+      </p:sp>
+    </p:spTree>
+    <p:extLst>
+      <p:ext uri="{BB962C8B-B14F-4D97-AF65-F5344CB8AC3E}">
+        <p14:creationId xmlns:p14="http://schemas.microsoft.com/office/powerpoint/2010/main" val="2286619964"/>
+      </p:ext>
+    </p:extLst>
+  </p:cSld>
+  <p:clrMapOvr>
+    <a:masterClrMapping/>
+  </p:clrMapOvr>
+</p:notes>
+</file>
+
 <file path=ppt/notesSlides/notesSlide2.xml><?xml version="1.0" encoding="utf-8"?>
 <p:notes xmlns:a="http://schemas.openxmlformats.org/drawingml/2006/main" xmlns:r="http://schemas.openxmlformats.org/officeDocument/2006/relationships" xmlns:p="http://schemas.openxmlformats.org/presentationml/2006/main">
   <p:cSld>
@@ -1824,7 +1919,7 @@
           <a:lstStyle/>
           <a:p>
             <a:pPr lvl="0"/>
-            <a:endParaRPr lang="ko-KR" altLang="en-US"/>
+            <a:endParaRPr lang="ko-KR" altLang="en-US" dirty="0"/>
           </a:p>
         </p:txBody>
       </p:sp>
@@ -5078,7 +5173,7 @@
         </p:nvSpPr>
         <p:spPr>
           <a:xfrm>
-            <a:off x="6919120" y="3182641"/>
+            <a:off x="6919120" y="4078380"/>
             <a:ext cx="2463872" cy="1177904"/>
           </a:xfrm>
           <a:prstGeom prst="rect">
@@ -11959,6 +12054,17 @@
           <a:lstStyle/>
           <a:p>
             <a:r>
+              <a:rPr lang="ko-KR" altLang="en-US" sz="2500" b="1" dirty="0">
+                <a:solidFill>
+                  <a:schemeClr val="accent5"/>
+                </a:solidFill>
+                <a:latin typeface="함초롬돋움" panose="020B0604000101010101" pitchFamily="50" charset="-127"/>
+                <a:ea typeface="함초롬돋움" panose="020B0604000101010101" pitchFamily="50" charset="-127"/>
+                <a:cs typeface="함초롬돋움" panose="020B0604000101010101" pitchFamily="50" charset="-127"/>
+              </a:rPr>
+              <a:t>→ </a:t>
+            </a:r>
+            <a:r>
               <a:rPr lang="en-US" altLang="ko-KR" sz="2500" b="1" dirty="0">
                 <a:solidFill>
                   <a:schemeClr val="accent5"/>
@@ -14054,6 +14160,525 @@
 </p:sld>
 </file>
 
+<file path=ppt/slides/slide19.xml><?xml version="1.0" encoding="utf-8"?>
+<p:sld xmlns:a="http://schemas.openxmlformats.org/drawingml/2006/main" xmlns:r="http://schemas.openxmlformats.org/officeDocument/2006/relationships" xmlns:p="http://schemas.openxmlformats.org/presentationml/2006/main">
+  <p:cSld>
+    <p:spTree>
+      <p:nvGrpSpPr>
+        <p:cNvPr id="1" name=""/>
+        <p:cNvGrpSpPr/>
+        <p:nvPr/>
+      </p:nvGrpSpPr>
+      <p:grpSpPr>
+        <a:xfrm>
+          <a:off x="0" y="0"/>
+          <a:ext cx="0" cy="0"/>
+          <a:chOff x="0" y="0"/>
+          <a:chExt cx="0" cy="0"/>
+        </a:xfrm>
+      </p:grpSpPr>
+      <p:sp>
+        <p:nvSpPr>
+          <p:cNvPr id="4" name="직사각형 3"/>
+          <p:cNvSpPr/>
+          <p:nvPr/>
+        </p:nvSpPr>
+        <p:spPr>
+          <a:xfrm>
+            <a:off x="251520" y="404664"/>
+            <a:ext cx="8640960" cy="6120680"/>
+          </a:xfrm>
+          <a:prstGeom prst="rect">
+            <a:avLst/>
+          </a:prstGeom>
+          <a:noFill/>
+          <a:ln w="3175">
+            <a:solidFill>
+              <a:schemeClr val="bg1">
+                <a:lumMod val="65000"/>
+              </a:schemeClr>
+            </a:solidFill>
+            <a:prstDash val="sysDash"/>
+          </a:ln>
+        </p:spPr>
+        <p:style>
+          <a:lnRef idx="2">
+            <a:schemeClr val="accent1">
+              <a:shade val="50000"/>
+            </a:schemeClr>
+          </a:lnRef>
+          <a:fillRef idx="1">
+            <a:schemeClr val="accent1"/>
+          </a:fillRef>
+          <a:effectRef idx="0">
+            <a:schemeClr val="accent1"/>
+          </a:effectRef>
+          <a:fontRef idx="minor">
+            <a:schemeClr val="lt1"/>
+          </a:fontRef>
+        </p:style>
+        <p:txBody>
+          <a:bodyPr anchor="ctr"/>
+          <a:lstStyle/>
+          <a:p>
+            <a:pPr algn="ctr">
+              <a:spcBef>
+                <a:spcPct val="0"/>
+              </a:spcBef>
+              <a:spcAft>
+                <a:spcPct val="0"/>
+              </a:spcAft>
+            </a:pPr>
+            <a:endParaRPr lang="ko-KR" altLang="en-US">
+              <a:latin typeface="함초롬돋움"/>
+              <a:ea typeface="함초롬돋움"/>
+              <a:cs typeface="함초롬돋움"/>
+            </a:endParaRPr>
+          </a:p>
+        </p:txBody>
+      </p:sp>
+      <p:sp>
+        <p:nvSpPr>
+          <p:cNvPr id="5" name="직사각형 4"/>
+          <p:cNvSpPr/>
+          <p:nvPr/>
+        </p:nvSpPr>
+        <p:spPr>
+          <a:xfrm>
+            <a:off x="611562" y="143497"/>
+            <a:ext cx="8280919" cy="261169"/>
+          </a:xfrm>
+          <a:prstGeom prst="rect">
+            <a:avLst/>
+          </a:prstGeom>
+          <a:solidFill>
+            <a:schemeClr val="tx1"/>
+          </a:solidFill>
+          <a:ln>
+            <a:noFill/>
+          </a:ln>
+          <a:effectLst/>
+        </p:spPr>
+        <p:style>
+          <a:lnRef idx="2">
+            <a:schemeClr val="accent1">
+              <a:shade val="50000"/>
+            </a:schemeClr>
+          </a:lnRef>
+          <a:fillRef idx="1">
+            <a:schemeClr val="accent1"/>
+          </a:fillRef>
+          <a:effectRef idx="0">
+            <a:schemeClr val="accent1"/>
+          </a:effectRef>
+          <a:fontRef idx="minor">
+            <a:schemeClr val="lt1"/>
+          </a:fontRef>
+        </p:style>
+        <p:txBody>
+          <a:bodyPr anchor="ctr"/>
+          <a:lstStyle>
+            <a:lvl1pPr>
+              <a:defRPr>
+                <a:solidFill>
+                  <a:schemeClr val="tx1"/>
+                </a:solidFill>
+                <a:latin typeface="맑은 고딕"/>
+                <a:ea typeface="맑은 고딕"/>
+              </a:defRPr>
+            </a:lvl1pPr>
+            <a:lvl2pPr marL="742950" indent="-285750">
+              <a:defRPr>
+                <a:solidFill>
+                  <a:schemeClr val="tx1"/>
+                </a:solidFill>
+                <a:latin typeface="맑은 고딕"/>
+                <a:ea typeface="맑은 고딕"/>
+              </a:defRPr>
+            </a:lvl2pPr>
+            <a:lvl3pPr marL="1143000" indent="-228600">
+              <a:defRPr>
+                <a:solidFill>
+                  <a:schemeClr val="tx1"/>
+                </a:solidFill>
+                <a:latin typeface="맑은 고딕"/>
+                <a:ea typeface="맑은 고딕"/>
+              </a:defRPr>
+            </a:lvl3pPr>
+            <a:lvl4pPr marL="1600200" indent="-228600">
+              <a:defRPr>
+                <a:solidFill>
+                  <a:schemeClr val="tx1"/>
+                </a:solidFill>
+                <a:latin typeface="맑은 고딕"/>
+                <a:ea typeface="맑은 고딕"/>
+              </a:defRPr>
+            </a:lvl4pPr>
+            <a:lvl5pPr marL="2057400" indent="-228600">
+              <a:defRPr>
+                <a:solidFill>
+                  <a:schemeClr val="tx1"/>
+                </a:solidFill>
+                <a:latin typeface="맑은 고딕"/>
+                <a:ea typeface="맑은 고딕"/>
+              </a:defRPr>
+            </a:lvl5pPr>
+            <a:lvl6pPr marL="2514600" indent="-228600" fontAlgn="base">
+              <a:spcBef>
+                <a:spcPct val="0"/>
+              </a:spcBef>
+              <a:spcAft>
+                <a:spcPct val="0"/>
+              </a:spcAft>
+              <a:defRPr>
+                <a:solidFill>
+                  <a:schemeClr val="tx1"/>
+                </a:solidFill>
+                <a:latin typeface="맑은 고딕"/>
+                <a:ea typeface="맑은 고딕"/>
+              </a:defRPr>
+            </a:lvl6pPr>
+            <a:lvl7pPr marL="2971800" indent="-228600" fontAlgn="base">
+              <a:spcBef>
+                <a:spcPct val="0"/>
+              </a:spcBef>
+              <a:spcAft>
+                <a:spcPct val="0"/>
+              </a:spcAft>
+              <a:defRPr>
+                <a:solidFill>
+                  <a:schemeClr val="tx1"/>
+                </a:solidFill>
+                <a:latin typeface="맑은 고딕"/>
+                <a:ea typeface="맑은 고딕"/>
+              </a:defRPr>
+            </a:lvl7pPr>
+            <a:lvl8pPr marL="3429000" indent="-228600" fontAlgn="base">
+              <a:spcBef>
+                <a:spcPct val="0"/>
+              </a:spcBef>
+              <a:spcAft>
+                <a:spcPct val="0"/>
+              </a:spcAft>
+              <a:defRPr>
+                <a:solidFill>
+                  <a:schemeClr val="tx1"/>
+                </a:solidFill>
+                <a:latin typeface="맑은 고딕"/>
+                <a:ea typeface="맑은 고딕"/>
+              </a:defRPr>
+            </a:lvl8pPr>
+            <a:lvl9pPr marL="3886200" indent="-228600" fontAlgn="base">
+              <a:spcBef>
+                <a:spcPct val="0"/>
+              </a:spcBef>
+              <a:spcAft>
+                <a:spcPct val="0"/>
+              </a:spcAft>
+              <a:defRPr>
+                <a:solidFill>
+                  <a:schemeClr val="tx1"/>
+                </a:solidFill>
+                <a:latin typeface="맑은 고딕"/>
+                <a:ea typeface="맑은 고딕"/>
+              </a:defRPr>
+            </a:lvl9pPr>
+          </a:lstStyle>
+          <a:p>
+            <a:endParaRPr lang="ko-KR" altLang="en-US" sz="1400" b="1">
+              <a:solidFill>
+                <a:schemeClr val="bg1"/>
+              </a:solidFill>
+              <a:latin typeface="함초롬돋움"/>
+              <a:ea typeface="함초롬돋움"/>
+              <a:cs typeface="함초롬돋움"/>
+            </a:endParaRPr>
+          </a:p>
+        </p:txBody>
+      </p:sp>
+      <p:sp>
+        <p:nvSpPr>
+          <p:cNvPr id="6" name="직사각형 5"/>
+          <p:cNvSpPr/>
+          <p:nvPr/>
+        </p:nvSpPr>
+        <p:spPr>
+          <a:xfrm>
+            <a:off x="251520" y="142825"/>
+            <a:ext cx="381000" cy="261841"/>
+          </a:xfrm>
+          <a:prstGeom prst="rect">
+            <a:avLst/>
+          </a:prstGeom>
+          <a:solidFill>
+            <a:srgbClr val="00B0F0"/>
+          </a:solidFill>
+          <a:ln>
+            <a:noFill/>
+          </a:ln>
+        </p:spPr>
+        <p:style>
+          <a:lnRef idx="2">
+            <a:schemeClr val="accent1">
+              <a:shade val="50000"/>
+            </a:schemeClr>
+          </a:lnRef>
+          <a:fillRef idx="1">
+            <a:schemeClr val="accent1"/>
+          </a:fillRef>
+          <a:effectRef idx="0">
+            <a:schemeClr val="accent1"/>
+          </a:effectRef>
+          <a:fontRef idx="minor">
+            <a:schemeClr val="lt1"/>
+          </a:fontRef>
+        </p:style>
+        <p:txBody>
+          <a:bodyPr anchor="ctr"/>
+          <a:lstStyle/>
+          <a:p>
+            <a:pPr algn="ctr"/>
+            <a:endParaRPr lang="ko-KR" altLang="en-US">
+              <a:latin typeface="함초롬돋움"/>
+              <a:ea typeface="함초롬돋움"/>
+              <a:cs typeface="함초롬돋움"/>
+            </a:endParaRPr>
+          </a:p>
+        </p:txBody>
+      </p:sp>
+      <p:sp>
+        <p:nvSpPr>
+          <p:cNvPr id="7" name="TextBox 6"/>
+          <p:cNvSpPr txBox="1"/>
+          <p:nvPr/>
+        </p:nvSpPr>
+        <p:spPr>
+          <a:xfrm>
+            <a:off x="917392" y="476674"/>
+            <a:ext cx="240848" cy="292946"/>
+          </a:xfrm>
+          <a:prstGeom prst="rect">
+            <a:avLst/>
+          </a:prstGeom>
+          <a:noFill/>
+        </p:spPr>
+        <p:txBody>
+          <a:bodyPr wrap="none">
+            <a:spAutoFit/>
+          </a:bodyPr>
+          <a:lstStyle/>
+          <a:p>
+            <a:pPr lvl="0"/>
+            <a:endParaRPr lang="ko-KR" altLang="en-US" sz="1400">
+              <a:latin typeface="함초롬돋움"/>
+              <a:ea typeface="함초롬돋움"/>
+              <a:cs typeface="함초롬돋움"/>
+            </a:endParaRPr>
+          </a:p>
+        </p:txBody>
+      </p:sp>
+      <p:sp>
+        <p:nvSpPr>
+          <p:cNvPr id="8" name="TextBox 7"/>
+          <p:cNvSpPr txBox="1"/>
+          <p:nvPr/>
+        </p:nvSpPr>
+        <p:spPr>
+          <a:xfrm>
+            <a:off x="899593" y="682476"/>
+            <a:ext cx="258647" cy="369332"/>
+          </a:xfrm>
+          <a:prstGeom prst="rect">
+            <a:avLst/>
+          </a:prstGeom>
+          <a:noFill/>
+        </p:spPr>
+        <p:txBody>
+          <a:bodyPr wrap="none">
+            <a:spAutoFit/>
+          </a:bodyPr>
+          <a:lstStyle/>
+          <a:p>
+            <a:pPr lvl="0"/>
+            <a:endParaRPr lang="ko-KR" altLang="en-US">
+              <a:latin typeface="함초롬돋움"/>
+              <a:ea typeface="함초롬돋움"/>
+              <a:cs typeface="함초롬돋움"/>
+            </a:endParaRPr>
+          </a:p>
+        </p:txBody>
+      </p:sp>
+      <p:sp>
+        <p:nvSpPr>
+          <p:cNvPr id="16" name="텍스트 개체 틀 2"/>
+          <p:cNvSpPr txBox="1">
+            <a:spLocks/>
+          </p:cNvSpPr>
+          <p:nvPr/>
+        </p:nvSpPr>
+        <p:spPr>
+          <a:xfrm>
+            <a:off x="2181665" y="2902018"/>
+            <a:ext cx="4780670" cy="1809743"/>
+          </a:xfrm>
+          <a:prstGeom prst="rect">
+            <a:avLst/>
+          </a:prstGeom>
+        </p:spPr>
+        <p:txBody>
+          <a:bodyPr vert="horz" lIns="91440" tIns="45720" rIns="91440" bIns="45720" anchor="ctr"/>
+          <a:lstStyle>
+            <a:defPPr>
+              <a:defRPr lang="ko-KR"/>
+            </a:defPPr>
+            <a:lvl1pPr marL="0" algn="ctr" defTabSz="914400" rtl="0" eaLnBrk="1" latinLnBrk="1" hangingPunct="1">
+              <a:defRPr sz="1200" kern="1200">
+                <a:solidFill>
+                  <a:schemeClr val="tx1">
+                    <a:tint val="75000"/>
+                  </a:schemeClr>
+                </a:solidFill>
+                <a:latin typeface="+mn-lt"/>
+                <a:ea typeface="+mn-ea"/>
+                <a:cs typeface="+mn-cs"/>
+              </a:defRPr>
+            </a:lvl1pPr>
+            <a:lvl2pPr marL="457200" algn="l" defTabSz="914400" rtl="0" eaLnBrk="1" latinLnBrk="1" hangingPunct="1">
+              <a:defRPr sz="1800" kern="1200">
+                <a:solidFill>
+                  <a:schemeClr val="tx1"/>
+                </a:solidFill>
+                <a:latin typeface="+mn-lt"/>
+                <a:ea typeface="+mn-ea"/>
+                <a:cs typeface="+mn-cs"/>
+              </a:defRPr>
+            </a:lvl2pPr>
+            <a:lvl3pPr marL="914400" algn="l" defTabSz="914400" rtl="0" eaLnBrk="1" latinLnBrk="1" hangingPunct="1">
+              <a:defRPr sz="1800" kern="1200">
+                <a:solidFill>
+                  <a:schemeClr val="tx1"/>
+                </a:solidFill>
+                <a:latin typeface="+mn-lt"/>
+                <a:ea typeface="+mn-ea"/>
+                <a:cs typeface="+mn-cs"/>
+              </a:defRPr>
+            </a:lvl3pPr>
+            <a:lvl4pPr marL="1371600" algn="l" defTabSz="914400" rtl="0" eaLnBrk="1" latinLnBrk="1" hangingPunct="1">
+              <a:defRPr sz="1800" kern="1200">
+                <a:solidFill>
+                  <a:schemeClr val="tx1"/>
+                </a:solidFill>
+                <a:latin typeface="+mn-lt"/>
+                <a:ea typeface="+mn-ea"/>
+                <a:cs typeface="+mn-cs"/>
+              </a:defRPr>
+            </a:lvl4pPr>
+            <a:lvl5pPr marL="1828800" algn="l" defTabSz="914400" rtl="0" eaLnBrk="1" latinLnBrk="1" hangingPunct="1">
+              <a:defRPr sz="1800" kern="1200">
+                <a:solidFill>
+                  <a:schemeClr val="tx1"/>
+                </a:solidFill>
+                <a:latin typeface="+mn-lt"/>
+                <a:ea typeface="+mn-ea"/>
+                <a:cs typeface="+mn-cs"/>
+              </a:defRPr>
+            </a:lvl5pPr>
+            <a:lvl6pPr marL="2286000" algn="l" defTabSz="914400" rtl="0" eaLnBrk="1" latinLnBrk="1" hangingPunct="1">
+              <a:defRPr sz="1800" kern="1200">
+                <a:solidFill>
+                  <a:schemeClr val="tx1"/>
+                </a:solidFill>
+                <a:latin typeface="+mn-lt"/>
+                <a:ea typeface="+mn-ea"/>
+                <a:cs typeface="+mn-cs"/>
+              </a:defRPr>
+            </a:lvl6pPr>
+            <a:lvl7pPr marL="2743200" algn="l" defTabSz="914400" rtl="0" eaLnBrk="1" latinLnBrk="1" hangingPunct="1">
+              <a:defRPr sz="1800" kern="1200">
+                <a:solidFill>
+                  <a:schemeClr val="tx1"/>
+                </a:solidFill>
+                <a:latin typeface="+mn-lt"/>
+                <a:ea typeface="+mn-ea"/>
+                <a:cs typeface="+mn-cs"/>
+              </a:defRPr>
+            </a:lvl7pPr>
+            <a:lvl8pPr marL="3200400" algn="l" defTabSz="914400" rtl="0" eaLnBrk="1" latinLnBrk="1" hangingPunct="1">
+              <a:defRPr sz="1800" kern="1200">
+                <a:solidFill>
+                  <a:schemeClr val="tx1"/>
+                </a:solidFill>
+                <a:latin typeface="+mn-lt"/>
+                <a:ea typeface="+mn-ea"/>
+                <a:cs typeface="+mn-cs"/>
+              </a:defRPr>
+            </a:lvl8pPr>
+            <a:lvl9pPr marL="3657600" algn="l" defTabSz="914400" rtl="0" eaLnBrk="1" latinLnBrk="1" hangingPunct="1">
+              <a:defRPr sz="1800" kern="1200">
+                <a:solidFill>
+                  <a:schemeClr val="tx1"/>
+                </a:solidFill>
+                <a:latin typeface="+mn-lt"/>
+                <a:ea typeface="+mn-ea"/>
+                <a:cs typeface="+mn-cs"/>
+              </a:defRPr>
+            </a:lvl9pPr>
+          </a:lstStyle>
+          <a:p>
+            <a:r>
+              <a:rPr kumimoji="1" lang="ko-KR" altLang="en-US" sz="7200" b="1" dirty="0">
+                <a:solidFill>
+                  <a:schemeClr val="tx1"/>
+                </a:solidFill>
+                <a:latin typeface="함초롬돋움" pitchFamily="50" charset="-127"/>
+                <a:ea typeface="함초롬돋움" pitchFamily="50" charset="-127"/>
+                <a:cs typeface="굴림" pitchFamily="50" charset="-127"/>
+              </a:rPr>
+              <a:t>감사합니다</a:t>
+            </a:r>
+            <a:r>
+              <a:rPr kumimoji="1" lang="en-US" altLang="ko-KR" sz="7200" b="1" dirty="0">
+                <a:solidFill>
+                  <a:schemeClr val="tx1"/>
+                </a:solidFill>
+                <a:latin typeface="함초롬돋움" pitchFamily="50" charset="-127"/>
+                <a:ea typeface="함초롬돋움" pitchFamily="50" charset="-127"/>
+                <a:cs typeface="굴림" pitchFamily="50" charset="-127"/>
+              </a:rPr>
+              <a:t>.</a:t>
+            </a:r>
+            <a:endParaRPr kumimoji="1" lang="ko-KR" altLang="ko-KR" sz="5400" b="1" dirty="0">
+              <a:solidFill>
+                <a:schemeClr val="tx1"/>
+              </a:solidFill>
+              <a:latin typeface="굴림" pitchFamily="50" charset="-127"/>
+              <a:ea typeface="굴림" pitchFamily="50" charset="-127"/>
+              <a:cs typeface="굴림" pitchFamily="50" charset="-127"/>
+            </a:endParaRPr>
+          </a:p>
+          <a:p>
+            <a:endParaRPr lang="ko-KR" altLang="en-US" sz="7200" dirty="0">
+              <a:solidFill>
+                <a:schemeClr val="tx1"/>
+              </a:solidFill>
+            </a:endParaRPr>
+          </a:p>
+        </p:txBody>
+      </p:sp>
+    </p:spTree>
+    <p:extLst>
+      <p:ext uri="{BB962C8B-B14F-4D97-AF65-F5344CB8AC3E}">
+        <p14:creationId xmlns:p14="http://schemas.microsoft.com/office/powerpoint/2010/main" val="1438597843"/>
+      </p:ext>
+    </p:extLst>
+  </p:cSld>
+  <p:clrMapOvr>
+    <a:masterClrMapping/>
+  </p:clrMapOvr>
+  <p:transition/>
+</p:sld>
+</file>
+
 <file path=ppt/slides/slide2.xml><?xml version="1.0" encoding="utf-8"?>
 <p:sld xmlns:a="http://schemas.openxmlformats.org/drawingml/2006/main" xmlns:r="http://schemas.openxmlformats.org/officeDocument/2006/relationships" xmlns:p="http://schemas.openxmlformats.org/presentationml/2006/main">
   <p:cSld>
@@ -16011,7 +16636,7 @@
         </p:blipFill>
         <p:spPr>
           <a:xfrm>
-            <a:off x="442020" y="1662968"/>
+            <a:off x="442020" y="1830417"/>
             <a:ext cx="3991426" cy="3604072"/>
           </a:xfrm>
           <a:prstGeom prst="rect">
@@ -16050,44 +16675,6 @@
           <a:p>
             <a:pPr lvl="0"/>
             <a:endParaRPr lang="ko-KR" altLang="en-US" dirty="0"/>
-          </a:p>
-        </p:txBody>
-      </p:sp>
-      <p:sp>
-        <p:nvSpPr>
-          <p:cNvPr id="11" name="TextBox 10"/>
-          <p:cNvSpPr txBox="1"/>
-          <p:nvPr/>
-        </p:nvSpPr>
-        <p:spPr>
-          <a:xfrm>
-            <a:off x="1158240" y="5622715"/>
-            <a:ext cx="7360609" cy="369332"/>
-          </a:xfrm>
-          <a:prstGeom prst="rect">
-            <a:avLst/>
-          </a:prstGeom>
-          <a:noFill/>
-        </p:spPr>
-        <p:txBody>
-          <a:bodyPr wrap="square">
-            <a:spAutoFit/>
-          </a:bodyPr>
-          <a:lstStyle/>
-          <a:p>
-            <a:pPr lvl="0"/>
-            <a:r>
-              <a:rPr lang="ko-KR" altLang="en-US" b="1" dirty="0"/>
-              <a:t>오프라인 면접에서의 과다한 면접준비비용 및 시간</a:t>
-            </a:r>
-            <a:r>
-              <a:rPr lang="en-US" altLang="ko-KR" b="1" dirty="0"/>
-              <a:t>,</a:t>
-            </a:r>
-            <a:r>
-              <a:rPr lang="ko-KR" altLang="en-US" b="1" dirty="0"/>
-              <a:t>공간적 비용 절감</a:t>
-            </a:r>
           </a:p>
         </p:txBody>
       </p:sp>
@@ -16241,7 +16828,7 @@
         </p:blipFill>
         <p:spPr>
           <a:xfrm>
-            <a:off x="4381407" y="1675614"/>
+            <a:off x="4381407" y="1843063"/>
             <a:ext cx="4436022" cy="3591426"/>
           </a:xfrm>
           <a:prstGeom prst="rect">
@@ -16249,6 +16836,41 @@
           </a:prstGeom>
         </p:spPr>
       </p:pic>
+      <p:cxnSp>
+        <p:nvCxnSpPr>
+          <p:cNvPr id="21" name="직선 연결선 20"/>
+          <p:cNvCxnSpPr/>
+          <p:nvPr/>
+        </p:nvCxnSpPr>
+        <p:spPr>
+          <a:xfrm>
+            <a:off x="1242174" y="2435290"/>
+            <a:ext cx="2621902" cy="18661"/>
+          </a:xfrm>
+          <a:prstGeom prst="line">
+            <a:avLst/>
+          </a:prstGeom>
+          <a:ln w="19050">
+            <a:solidFill>
+              <a:srgbClr val="C00000"/>
+            </a:solidFill>
+          </a:ln>
+        </p:spPr>
+        <p:style>
+          <a:lnRef idx="1">
+            <a:schemeClr val="accent1"/>
+          </a:lnRef>
+          <a:fillRef idx="0">
+            <a:schemeClr val="accent1"/>
+          </a:fillRef>
+          <a:effectRef idx="0">
+            <a:schemeClr val="accent1"/>
+          </a:effectRef>
+          <a:fontRef idx="minor">
+            <a:schemeClr val="tx1"/>
+          </a:fontRef>
+        </p:style>
+      </p:cxnSp>
     </p:spTree>
   </p:cSld>
   <p:clrMapOvr>
@@ -16992,7 +17614,7 @@
                 <a:ea typeface="함초롬바탕" pitchFamily="18" charset="-127"/>
                 <a:cs typeface="굴림" pitchFamily="50" charset="-127"/>
               </a:rPr>
-              <a:t>기술을 이용하여 기존의 온라인 면접 시스템들의 불편한 점들을 개선하여 제공한다</a:t>
+              <a:t>기술을 이용하여 기존의 오프라인 면접의 불편한 점들을 개선할 수 있는 시스템을 개발한다</a:t>
             </a:r>
             <a:r>
               <a:rPr kumimoji="1" lang="en-US" altLang="ko-KR" sz="2000" b="0" i="0" u="none" strike="noStrike" cap="none" normalizeH="0" baseline="0" dirty="0">
@@ -17145,7 +17767,22 @@
                 <a:ea typeface="함초롬바탕" pitchFamily="18" charset="-127"/>
                 <a:cs typeface="굴림" pitchFamily="50" charset="-127"/>
               </a:rPr>
-              <a:t>공간적 제약을 줄일 수 있는 시스템 개발</a:t>
+              <a:t>공간적 제약을 줄일 수 있는 시스템 개발한다</a:t>
+            </a:r>
+            <a:r>
+              <a:rPr kumimoji="1" lang="en-US" altLang="ko-KR" sz="2000" b="0" i="0" u="none" strike="noStrike" cap="none" normalizeH="0" baseline="0" dirty="0">
+                <a:ln>
+                  <a:noFill/>
+                </a:ln>
+                <a:solidFill>
+                  <a:srgbClr val="000000"/>
+                </a:solidFill>
+                <a:effectLst/>
+                <a:latin typeface="함초롬바탕" pitchFamily="18" charset="-127"/>
+                <a:ea typeface="함초롬바탕" pitchFamily="18" charset="-127"/>
+                <a:cs typeface="굴림" pitchFamily="50" charset="-127"/>
+              </a:rPr>
+              <a:t>.</a:t>
             </a:r>
             <a:endParaRPr kumimoji="1" lang="ko-KR" altLang="en-US" sz="600" b="0" i="0" u="none" strike="noStrike" cap="none" normalizeH="0" baseline="0" dirty="0">
               <a:ln>
@@ -17283,8 +17920,8 @@
         </p:nvSpPr>
         <p:spPr bwMode="auto">
           <a:xfrm>
-            <a:off x="1053465" y="4086380"/>
-            <a:ext cx="7472363" cy="1911350"/>
+            <a:off x="1053465" y="4098431"/>
+            <a:ext cx="8090535" cy="1911350"/>
           </a:xfrm>
           <a:prstGeom prst="rect">
             <a:avLst/>
@@ -17414,7 +18051,7 @@
                 <a:ea typeface="함초롬바탕" pitchFamily="18" charset="-127"/>
                 <a:cs typeface="굴림" pitchFamily="50" charset="-127"/>
               </a:rPr>
-              <a:t> 면접 비용을 줄일 수 있다</a:t>
+              <a:t> 면접 지출 비용을 줄일 수 있다</a:t>
             </a:r>
             <a:r>
               <a:rPr kumimoji="1" lang="en-US" altLang="ko-KR" sz="2000" b="0" i="0" u="none" strike="noStrike" cap="none" normalizeH="0" baseline="0" dirty="0">
@@ -18648,7 +19285,7 @@
             </a:r>
             <a:r>
               <a:rPr lang="ko-KR" altLang="en-US" dirty="0"/>
-              <a:t> 온라인 면접을 이용하는 장면</a:t>
+              <a:t> 온라인 면접을 이용하는 화면</a:t>
             </a:r>
           </a:p>
         </p:txBody>

--- a/최종)온라인 화상 면접 웹애플리케이션.pptx
+++ b/최종)온라인 화상 면접 웹애플리케이션.pptx
@@ -5,7 +5,7 @@
     <p:sldMasterId id="2147483672" r:id="rId1"/>
   </p:sldMasterIdLst>
   <p:notesMasterIdLst>
-    <p:notesMasterId r:id="rId21"/>
+    <p:notesMasterId r:id="rId20"/>
   </p:notesMasterIdLst>
   <p:sldIdLst>
     <p:sldId id="257" r:id="rId2"/>
@@ -26,7 +26,6 @@
     <p:sldId id="274" r:id="rId17"/>
     <p:sldId id="283" r:id="rId18"/>
     <p:sldId id="275" r:id="rId19"/>
-    <p:sldId id="285" r:id="rId20"/>
   </p:sldIdLst>
   <p:sldSz cx="9144000" cy="6858000" type="screen4x3"/>
   <p:notesSz cx="6858000" cy="9144000"/>
@@ -1417,100 +1416,6 @@
 </p:notes>
 </file>
 
-<file path=ppt/notesSlides/notesSlide19.xml><?xml version="1.0" encoding="utf-8"?>
-<p:notes xmlns:a="http://schemas.openxmlformats.org/drawingml/2006/main" xmlns:r="http://schemas.openxmlformats.org/officeDocument/2006/relationships" xmlns:p="http://schemas.openxmlformats.org/presentationml/2006/main">
-  <p:cSld>
-    <p:spTree>
-      <p:nvGrpSpPr>
-        <p:cNvPr id="1" name=""/>
-        <p:cNvGrpSpPr/>
-        <p:nvPr/>
-      </p:nvGrpSpPr>
-      <p:grpSpPr>
-        <a:xfrm>
-          <a:off x="0" y="0"/>
-          <a:ext cx="0" cy="0"/>
-          <a:chOff x="0" y="0"/>
-          <a:chExt cx="0" cy="0"/>
-        </a:xfrm>
-      </p:grpSpPr>
-      <p:sp>
-        <p:nvSpPr>
-          <p:cNvPr id="2" name="슬라이드 이미지 개체 틀 1"/>
-          <p:cNvSpPr>
-            <a:spLocks noGrp="1" noRot="1" noChangeAspect="1" noTextEdit="1"/>
-          </p:cNvSpPr>
-          <p:nvPr>
-            <p:ph type="sldImg"/>
-          </p:nvPr>
-        </p:nvSpPr>
-        <p:spPr>
-          <a:xfrm>
-            <a:off x="1371600" y="1143000"/>
-            <a:ext cx="4114800" cy="3086100"/>
-          </a:xfrm>
-        </p:spPr>
-      </p:sp>
-      <p:sp>
-        <p:nvSpPr>
-          <p:cNvPr id="3" name="슬라이드 노트 개체 틀 2"/>
-          <p:cNvSpPr>
-            <a:spLocks noGrp="1"/>
-          </p:cNvSpPr>
-          <p:nvPr>
-            <p:ph type="body" idx="1"/>
-          </p:nvPr>
-        </p:nvSpPr>
-        <p:spPr/>
-        <p:txBody>
-          <a:bodyPr>
-            <a:normAutofit/>
-          </a:bodyPr>
-          <a:lstStyle/>
-          <a:p>
-            <a:pPr lvl="0"/>
-            <a:endParaRPr lang="ko-KR" altLang="en-US"/>
-          </a:p>
-        </p:txBody>
-      </p:sp>
-      <p:sp>
-        <p:nvSpPr>
-          <p:cNvPr id="4" name="슬라이드 번호 개체 틀 3"/>
-          <p:cNvSpPr>
-            <a:spLocks noGrp="1"/>
-          </p:cNvSpPr>
-          <p:nvPr>
-            <p:ph type="sldNum" sz="quarter" idx="10"/>
-          </p:nvPr>
-        </p:nvSpPr>
-        <p:spPr/>
-        <p:txBody>
-          <a:bodyPr/>
-          <a:lstStyle/>
-          <a:p>
-            <a:pPr lvl="0"/>
-            <a:fld id="{24EEE82D-EF1E-4CCE-82AE-FC162003E44E}" type="slidenum">
-              <a:rPr lang="en-US" altLang="en-US"/>
-              <a:pPr lvl="0"/>
-              <a:t>19</a:t>
-            </a:fld>
-            <a:endParaRPr lang="en-US" altLang="en-US"/>
-          </a:p>
-        </p:txBody>
-      </p:sp>
-    </p:spTree>
-    <p:extLst>
-      <p:ext uri="{BB962C8B-B14F-4D97-AF65-F5344CB8AC3E}">
-        <p14:creationId xmlns:p14="http://schemas.microsoft.com/office/powerpoint/2010/main" val="2286619964"/>
-      </p:ext>
-    </p:extLst>
-  </p:cSld>
-  <p:clrMapOvr>
-    <a:masterClrMapping/>
-  </p:clrMapOvr>
-</p:notes>
-</file>
-
 <file path=ppt/notesSlides/notesSlide2.xml><?xml version="1.0" encoding="utf-8"?>
 <p:notes xmlns:a="http://schemas.openxmlformats.org/drawingml/2006/main" xmlns:r="http://schemas.openxmlformats.org/officeDocument/2006/relationships" xmlns:p="http://schemas.openxmlformats.org/presentationml/2006/main">
   <p:cSld>
@@ -1919,7 +1824,7 @@
           <a:lstStyle/>
           <a:p>
             <a:pPr lvl="0"/>
-            <a:endParaRPr lang="ko-KR" altLang="en-US" dirty="0"/>
+            <a:endParaRPr lang="ko-KR" altLang="en-US"/>
           </a:p>
         </p:txBody>
       </p:sp>
@@ -5173,7 +5078,7 @@
         </p:nvSpPr>
         <p:spPr>
           <a:xfrm>
-            <a:off x="6919120" y="4078380"/>
+            <a:off x="6919120" y="3182641"/>
             <a:ext cx="2463872" cy="1177904"/>
           </a:xfrm>
           <a:prstGeom prst="rect">
@@ -12054,17 +11959,6 @@
           <a:lstStyle/>
           <a:p>
             <a:r>
-              <a:rPr lang="ko-KR" altLang="en-US" sz="2500" b="1" dirty="0">
-                <a:solidFill>
-                  <a:schemeClr val="accent5"/>
-                </a:solidFill>
-                <a:latin typeface="함초롬돋움" panose="020B0604000101010101" pitchFamily="50" charset="-127"/>
-                <a:ea typeface="함초롬돋움" panose="020B0604000101010101" pitchFamily="50" charset="-127"/>
-                <a:cs typeface="함초롬돋움" panose="020B0604000101010101" pitchFamily="50" charset="-127"/>
-              </a:rPr>
-              <a:t>→ </a:t>
-            </a:r>
-            <a:r>
               <a:rPr lang="en-US" altLang="ko-KR" sz="2500" b="1" dirty="0">
                 <a:solidFill>
                   <a:schemeClr val="accent5"/>
@@ -14160,525 +14054,6 @@
 </p:sld>
 </file>
 
-<file path=ppt/slides/slide19.xml><?xml version="1.0" encoding="utf-8"?>
-<p:sld xmlns:a="http://schemas.openxmlformats.org/drawingml/2006/main" xmlns:r="http://schemas.openxmlformats.org/officeDocument/2006/relationships" xmlns:p="http://schemas.openxmlformats.org/presentationml/2006/main">
-  <p:cSld>
-    <p:spTree>
-      <p:nvGrpSpPr>
-        <p:cNvPr id="1" name=""/>
-        <p:cNvGrpSpPr/>
-        <p:nvPr/>
-      </p:nvGrpSpPr>
-      <p:grpSpPr>
-        <a:xfrm>
-          <a:off x="0" y="0"/>
-          <a:ext cx="0" cy="0"/>
-          <a:chOff x="0" y="0"/>
-          <a:chExt cx="0" cy="0"/>
-        </a:xfrm>
-      </p:grpSpPr>
-      <p:sp>
-        <p:nvSpPr>
-          <p:cNvPr id="4" name="직사각형 3"/>
-          <p:cNvSpPr/>
-          <p:nvPr/>
-        </p:nvSpPr>
-        <p:spPr>
-          <a:xfrm>
-            <a:off x="251520" y="404664"/>
-            <a:ext cx="8640960" cy="6120680"/>
-          </a:xfrm>
-          <a:prstGeom prst="rect">
-            <a:avLst/>
-          </a:prstGeom>
-          <a:noFill/>
-          <a:ln w="3175">
-            <a:solidFill>
-              <a:schemeClr val="bg1">
-                <a:lumMod val="65000"/>
-              </a:schemeClr>
-            </a:solidFill>
-            <a:prstDash val="sysDash"/>
-          </a:ln>
-        </p:spPr>
-        <p:style>
-          <a:lnRef idx="2">
-            <a:schemeClr val="accent1">
-              <a:shade val="50000"/>
-            </a:schemeClr>
-          </a:lnRef>
-          <a:fillRef idx="1">
-            <a:schemeClr val="accent1"/>
-          </a:fillRef>
-          <a:effectRef idx="0">
-            <a:schemeClr val="accent1"/>
-          </a:effectRef>
-          <a:fontRef idx="minor">
-            <a:schemeClr val="lt1"/>
-          </a:fontRef>
-        </p:style>
-        <p:txBody>
-          <a:bodyPr anchor="ctr"/>
-          <a:lstStyle/>
-          <a:p>
-            <a:pPr algn="ctr">
-              <a:spcBef>
-                <a:spcPct val="0"/>
-              </a:spcBef>
-              <a:spcAft>
-                <a:spcPct val="0"/>
-              </a:spcAft>
-            </a:pPr>
-            <a:endParaRPr lang="ko-KR" altLang="en-US">
-              <a:latin typeface="함초롬돋움"/>
-              <a:ea typeface="함초롬돋움"/>
-              <a:cs typeface="함초롬돋움"/>
-            </a:endParaRPr>
-          </a:p>
-        </p:txBody>
-      </p:sp>
-      <p:sp>
-        <p:nvSpPr>
-          <p:cNvPr id="5" name="직사각형 4"/>
-          <p:cNvSpPr/>
-          <p:nvPr/>
-        </p:nvSpPr>
-        <p:spPr>
-          <a:xfrm>
-            <a:off x="611562" y="143497"/>
-            <a:ext cx="8280919" cy="261169"/>
-          </a:xfrm>
-          <a:prstGeom prst="rect">
-            <a:avLst/>
-          </a:prstGeom>
-          <a:solidFill>
-            <a:schemeClr val="tx1"/>
-          </a:solidFill>
-          <a:ln>
-            <a:noFill/>
-          </a:ln>
-          <a:effectLst/>
-        </p:spPr>
-        <p:style>
-          <a:lnRef idx="2">
-            <a:schemeClr val="accent1">
-              <a:shade val="50000"/>
-            </a:schemeClr>
-          </a:lnRef>
-          <a:fillRef idx="1">
-            <a:schemeClr val="accent1"/>
-          </a:fillRef>
-          <a:effectRef idx="0">
-            <a:schemeClr val="accent1"/>
-          </a:effectRef>
-          <a:fontRef idx="minor">
-            <a:schemeClr val="lt1"/>
-          </a:fontRef>
-        </p:style>
-        <p:txBody>
-          <a:bodyPr anchor="ctr"/>
-          <a:lstStyle>
-            <a:lvl1pPr>
-              <a:defRPr>
-                <a:solidFill>
-                  <a:schemeClr val="tx1"/>
-                </a:solidFill>
-                <a:latin typeface="맑은 고딕"/>
-                <a:ea typeface="맑은 고딕"/>
-              </a:defRPr>
-            </a:lvl1pPr>
-            <a:lvl2pPr marL="742950" indent="-285750">
-              <a:defRPr>
-                <a:solidFill>
-                  <a:schemeClr val="tx1"/>
-                </a:solidFill>
-                <a:latin typeface="맑은 고딕"/>
-                <a:ea typeface="맑은 고딕"/>
-              </a:defRPr>
-            </a:lvl2pPr>
-            <a:lvl3pPr marL="1143000" indent="-228600">
-              <a:defRPr>
-                <a:solidFill>
-                  <a:schemeClr val="tx1"/>
-                </a:solidFill>
-                <a:latin typeface="맑은 고딕"/>
-                <a:ea typeface="맑은 고딕"/>
-              </a:defRPr>
-            </a:lvl3pPr>
-            <a:lvl4pPr marL="1600200" indent="-228600">
-              <a:defRPr>
-                <a:solidFill>
-                  <a:schemeClr val="tx1"/>
-                </a:solidFill>
-                <a:latin typeface="맑은 고딕"/>
-                <a:ea typeface="맑은 고딕"/>
-              </a:defRPr>
-            </a:lvl4pPr>
-            <a:lvl5pPr marL="2057400" indent="-228600">
-              <a:defRPr>
-                <a:solidFill>
-                  <a:schemeClr val="tx1"/>
-                </a:solidFill>
-                <a:latin typeface="맑은 고딕"/>
-                <a:ea typeface="맑은 고딕"/>
-              </a:defRPr>
-            </a:lvl5pPr>
-            <a:lvl6pPr marL="2514600" indent="-228600" fontAlgn="base">
-              <a:spcBef>
-                <a:spcPct val="0"/>
-              </a:spcBef>
-              <a:spcAft>
-                <a:spcPct val="0"/>
-              </a:spcAft>
-              <a:defRPr>
-                <a:solidFill>
-                  <a:schemeClr val="tx1"/>
-                </a:solidFill>
-                <a:latin typeface="맑은 고딕"/>
-                <a:ea typeface="맑은 고딕"/>
-              </a:defRPr>
-            </a:lvl6pPr>
-            <a:lvl7pPr marL="2971800" indent="-228600" fontAlgn="base">
-              <a:spcBef>
-                <a:spcPct val="0"/>
-              </a:spcBef>
-              <a:spcAft>
-                <a:spcPct val="0"/>
-              </a:spcAft>
-              <a:defRPr>
-                <a:solidFill>
-                  <a:schemeClr val="tx1"/>
-                </a:solidFill>
-                <a:latin typeface="맑은 고딕"/>
-                <a:ea typeface="맑은 고딕"/>
-              </a:defRPr>
-            </a:lvl7pPr>
-            <a:lvl8pPr marL="3429000" indent="-228600" fontAlgn="base">
-              <a:spcBef>
-                <a:spcPct val="0"/>
-              </a:spcBef>
-              <a:spcAft>
-                <a:spcPct val="0"/>
-              </a:spcAft>
-              <a:defRPr>
-                <a:solidFill>
-                  <a:schemeClr val="tx1"/>
-                </a:solidFill>
-                <a:latin typeface="맑은 고딕"/>
-                <a:ea typeface="맑은 고딕"/>
-              </a:defRPr>
-            </a:lvl8pPr>
-            <a:lvl9pPr marL="3886200" indent="-228600" fontAlgn="base">
-              <a:spcBef>
-                <a:spcPct val="0"/>
-              </a:spcBef>
-              <a:spcAft>
-                <a:spcPct val="0"/>
-              </a:spcAft>
-              <a:defRPr>
-                <a:solidFill>
-                  <a:schemeClr val="tx1"/>
-                </a:solidFill>
-                <a:latin typeface="맑은 고딕"/>
-                <a:ea typeface="맑은 고딕"/>
-              </a:defRPr>
-            </a:lvl9pPr>
-          </a:lstStyle>
-          <a:p>
-            <a:endParaRPr lang="ko-KR" altLang="en-US" sz="1400" b="1">
-              <a:solidFill>
-                <a:schemeClr val="bg1"/>
-              </a:solidFill>
-              <a:latin typeface="함초롬돋움"/>
-              <a:ea typeface="함초롬돋움"/>
-              <a:cs typeface="함초롬돋움"/>
-            </a:endParaRPr>
-          </a:p>
-        </p:txBody>
-      </p:sp>
-      <p:sp>
-        <p:nvSpPr>
-          <p:cNvPr id="6" name="직사각형 5"/>
-          <p:cNvSpPr/>
-          <p:nvPr/>
-        </p:nvSpPr>
-        <p:spPr>
-          <a:xfrm>
-            <a:off x="251520" y="142825"/>
-            <a:ext cx="381000" cy="261841"/>
-          </a:xfrm>
-          <a:prstGeom prst="rect">
-            <a:avLst/>
-          </a:prstGeom>
-          <a:solidFill>
-            <a:srgbClr val="00B0F0"/>
-          </a:solidFill>
-          <a:ln>
-            <a:noFill/>
-          </a:ln>
-        </p:spPr>
-        <p:style>
-          <a:lnRef idx="2">
-            <a:schemeClr val="accent1">
-              <a:shade val="50000"/>
-            </a:schemeClr>
-          </a:lnRef>
-          <a:fillRef idx="1">
-            <a:schemeClr val="accent1"/>
-          </a:fillRef>
-          <a:effectRef idx="0">
-            <a:schemeClr val="accent1"/>
-          </a:effectRef>
-          <a:fontRef idx="minor">
-            <a:schemeClr val="lt1"/>
-          </a:fontRef>
-        </p:style>
-        <p:txBody>
-          <a:bodyPr anchor="ctr"/>
-          <a:lstStyle/>
-          <a:p>
-            <a:pPr algn="ctr"/>
-            <a:endParaRPr lang="ko-KR" altLang="en-US">
-              <a:latin typeface="함초롬돋움"/>
-              <a:ea typeface="함초롬돋움"/>
-              <a:cs typeface="함초롬돋움"/>
-            </a:endParaRPr>
-          </a:p>
-        </p:txBody>
-      </p:sp>
-      <p:sp>
-        <p:nvSpPr>
-          <p:cNvPr id="7" name="TextBox 6"/>
-          <p:cNvSpPr txBox="1"/>
-          <p:nvPr/>
-        </p:nvSpPr>
-        <p:spPr>
-          <a:xfrm>
-            <a:off x="917392" y="476674"/>
-            <a:ext cx="240848" cy="292946"/>
-          </a:xfrm>
-          <a:prstGeom prst="rect">
-            <a:avLst/>
-          </a:prstGeom>
-          <a:noFill/>
-        </p:spPr>
-        <p:txBody>
-          <a:bodyPr wrap="none">
-            <a:spAutoFit/>
-          </a:bodyPr>
-          <a:lstStyle/>
-          <a:p>
-            <a:pPr lvl="0"/>
-            <a:endParaRPr lang="ko-KR" altLang="en-US" sz="1400">
-              <a:latin typeface="함초롬돋움"/>
-              <a:ea typeface="함초롬돋움"/>
-              <a:cs typeface="함초롬돋움"/>
-            </a:endParaRPr>
-          </a:p>
-        </p:txBody>
-      </p:sp>
-      <p:sp>
-        <p:nvSpPr>
-          <p:cNvPr id="8" name="TextBox 7"/>
-          <p:cNvSpPr txBox="1"/>
-          <p:nvPr/>
-        </p:nvSpPr>
-        <p:spPr>
-          <a:xfrm>
-            <a:off x="899593" y="682476"/>
-            <a:ext cx="258647" cy="369332"/>
-          </a:xfrm>
-          <a:prstGeom prst="rect">
-            <a:avLst/>
-          </a:prstGeom>
-          <a:noFill/>
-        </p:spPr>
-        <p:txBody>
-          <a:bodyPr wrap="none">
-            <a:spAutoFit/>
-          </a:bodyPr>
-          <a:lstStyle/>
-          <a:p>
-            <a:pPr lvl="0"/>
-            <a:endParaRPr lang="ko-KR" altLang="en-US">
-              <a:latin typeface="함초롬돋움"/>
-              <a:ea typeface="함초롬돋움"/>
-              <a:cs typeface="함초롬돋움"/>
-            </a:endParaRPr>
-          </a:p>
-        </p:txBody>
-      </p:sp>
-      <p:sp>
-        <p:nvSpPr>
-          <p:cNvPr id="16" name="텍스트 개체 틀 2"/>
-          <p:cNvSpPr txBox="1">
-            <a:spLocks/>
-          </p:cNvSpPr>
-          <p:nvPr/>
-        </p:nvSpPr>
-        <p:spPr>
-          <a:xfrm>
-            <a:off x="2181665" y="2902018"/>
-            <a:ext cx="4780670" cy="1809743"/>
-          </a:xfrm>
-          <a:prstGeom prst="rect">
-            <a:avLst/>
-          </a:prstGeom>
-        </p:spPr>
-        <p:txBody>
-          <a:bodyPr vert="horz" lIns="91440" tIns="45720" rIns="91440" bIns="45720" anchor="ctr"/>
-          <a:lstStyle>
-            <a:defPPr>
-              <a:defRPr lang="ko-KR"/>
-            </a:defPPr>
-            <a:lvl1pPr marL="0" algn="ctr" defTabSz="914400" rtl="0" eaLnBrk="1" latinLnBrk="1" hangingPunct="1">
-              <a:defRPr sz="1200" kern="1200">
-                <a:solidFill>
-                  <a:schemeClr val="tx1">
-                    <a:tint val="75000"/>
-                  </a:schemeClr>
-                </a:solidFill>
-                <a:latin typeface="+mn-lt"/>
-                <a:ea typeface="+mn-ea"/>
-                <a:cs typeface="+mn-cs"/>
-              </a:defRPr>
-            </a:lvl1pPr>
-            <a:lvl2pPr marL="457200" algn="l" defTabSz="914400" rtl="0" eaLnBrk="1" latinLnBrk="1" hangingPunct="1">
-              <a:defRPr sz="1800" kern="1200">
-                <a:solidFill>
-                  <a:schemeClr val="tx1"/>
-                </a:solidFill>
-                <a:latin typeface="+mn-lt"/>
-                <a:ea typeface="+mn-ea"/>
-                <a:cs typeface="+mn-cs"/>
-              </a:defRPr>
-            </a:lvl2pPr>
-            <a:lvl3pPr marL="914400" algn="l" defTabSz="914400" rtl="0" eaLnBrk="1" latinLnBrk="1" hangingPunct="1">
-              <a:defRPr sz="1800" kern="1200">
-                <a:solidFill>
-                  <a:schemeClr val="tx1"/>
-                </a:solidFill>
-                <a:latin typeface="+mn-lt"/>
-                <a:ea typeface="+mn-ea"/>
-                <a:cs typeface="+mn-cs"/>
-              </a:defRPr>
-            </a:lvl3pPr>
-            <a:lvl4pPr marL="1371600" algn="l" defTabSz="914400" rtl="0" eaLnBrk="1" latinLnBrk="1" hangingPunct="1">
-              <a:defRPr sz="1800" kern="1200">
-                <a:solidFill>
-                  <a:schemeClr val="tx1"/>
-                </a:solidFill>
-                <a:latin typeface="+mn-lt"/>
-                <a:ea typeface="+mn-ea"/>
-                <a:cs typeface="+mn-cs"/>
-              </a:defRPr>
-            </a:lvl4pPr>
-            <a:lvl5pPr marL="1828800" algn="l" defTabSz="914400" rtl="0" eaLnBrk="1" latinLnBrk="1" hangingPunct="1">
-              <a:defRPr sz="1800" kern="1200">
-                <a:solidFill>
-                  <a:schemeClr val="tx1"/>
-                </a:solidFill>
-                <a:latin typeface="+mn-lt"/>
-                <a:ea typeface="+mn-ea"/>
-                <a:cs typeface="+mn-cs"/>
-              </a:defRPr>
-            </a:lvl5pPr>
-            <a:lvl6pPr marL="2286000" algn="l" defTabSz="914400" rtl="0" eaLnBrk="1" latinLnBrk="1" hangingPunct="1">
-              <a:defRPr sz="1800" kern="1200">
-                <a:solidFill>
-                  <a:schemeClr val="tx1"/>
-                </a:solidFill>
-                <a:latin typeface="+mn-lt"/>
-                <a:ea typeface="+mn-ea"/>
-                <a:cs typeface="+mn-cs"/>
-              </a:defRPr>
-            </a:lvl6pPr>
-            <a:lvl7pPr marL="2743200" algn="l" defTabSz="914400" rtl="0" eaLnBrk="1" latinLnBrk="1" hangingPunct="1">
-              <a:defRPr sz="1800" kern="1200">
-                <a:solidFill>
-                  <a:schemeClr val="tx1"/>
-                </a:solidFill>
-                <a:latin typeface="+mn-lt"/>
-                <a:ea typeface="+mn-ea"/>
-                <a:cs typeface="+mn-cs"/>
-              </a:defRPr>
-            </a:lvl7pPr>
-            <a:lvl8pPr marL="3200400" algn="l" defTabSz="914400" rtl="0" eaLnBrk="1" latinLnBrk="1" hangingPunct="1">
-              <a:defRPr sz="1800" kern="1200">
-                <a:solidFill>
-                  <a:schemeClr val="tx1"/>
-                </a:solidFill>
-                <a:latin typeface="+mn-lt"/>
-                <a:ea typeface="+mn-ea"/>
-                <a:cs typeface="+mn-cs"/>
-              </a:defRPr>
-            </a:lvl8pPr>
-            <a:lvl9pPr marL="3657600" algn="l" defTabSz="914400" rtl="0" eaLnBrk="1" latinLnBrk="1" hangingPunct="1">
-              <a:defRPr sz="1800" kern="1200">
-                <a:solidFill>
-                  <a:schemeClr val="tx1"/>
-                </a:solidFill>
-                <a:latin typeface="+mn-lt"/>
-                <a:ea typeface="+mn-ea"/>
-                <a:cs typeface="+mn-cs"/>
-              </a:defRPr>
-            </a:lvl9pPr>
-          </a:lstStyle>
-          <a:p>
-            <a:r>
-              <a:rPr kumimoji="1" lang="ko-KR" altLang="en-US" sz="7200" b="1" dirty="0">
-                <a:solidFill>
-                  <a:schemeClr val="tx1"/>
-                </a:solidFill>
-                <a:latin typeface="함초롬돋움" pitchFamily="50" charset="-127"/>
-                <a:ea typeface="함초롬돋움" pitchFamily="50" charset="-127"/>
-                <a:cs typeface="굴림" pitchFamily="50" charset="-127"/>
-              </a:rPr>
-              <a:t>감사합니다</a:t>
-            </a:r>
-            <a:r>
-              <a:rPr kumimoji="1" lang="en-US" altLang="ko-KR" sz="7200" b="1" dirty="0">
-                <a:solidFill>
-                  <a:schemeClr val="tx1"/>
-                </a:solidFill>
-                <a:latin typeface="함초롬돋움" pitchFamily="50" charset="-127"/>
-                <a:ea typeface="함초롬돋움" pitchFamily="50" charset="-127"/>
-                <a:cs typeface="굴림" pitchFamily="50" charset="-127"/>
-              </a:rPr>
-              <a:t>.</a:t>
-            </a:r>
-            <a:endParaRPr kumimoji="1" lang="ko-KR" altLang="ko-KR" sz="5400" b="1" dirty="0">
-              <a:solidFill>
-                <a:schemeClr val="tx1"/>
-              </a:solidFill>
-              <a:latin typeface="굴림" pitchFamily="50" charset="-127"/>
-              <a:ea typeface="굴림" pitchFamily="50" charset="-127"/>
-              <a:cs typeface="굴림" pitchFamily="50" charset="-127"/>
-            </a:endParaRPr>
-          </a:p>
-          <a:p>
-            <a:endParaRPr lang="ko-KR" altLang="en-US" sz="7200" dirty="0">
-              <a:solidFill>
-                <a:schemeClr val="tx1"/>
-              </a:solidFill>
-            </a:endParaRPr>
-          </a:p>
-        </p:txBody>
-      </p:sp>
-    </p:spTree>
-    <p:extLst>
-      <p:ext uri="{BB962C8B-B14F-4D97-AF65-F5344CB8AC3E}">
-        <p14:creationId xmlns:p14="http://schemas.microsoft.com/office/powerpoint/2010/main" val="1438597843"/>
-      </p:ext>
-    </p:extLst>
-  </p:cSld>
-  <p:clrMapOvr>
-    <a:masterClrMapping/>
-  </p:clrMapOvr>
-  <p:transition/>
-</p:sld>
-</file>
-
 <file path=ppt/slides/slide2.xml><?xml version="1.0" encoding="utf-8"?>
 <p:sld xmlns:a="http://schemas.openxmlformats.org/drawingml/2006/main" xmlns:r="http://schemas.openxmlformats.org/officeDocument/2006/relationships" xmlns:p="http://schemas.openxmlformats.org/presentationml/2006/main">
   <p:cSld>
@@ -16636,7 +16011,7 @@
         </p:blipFill>
         <p:spPr>
           <a:xfrm>
-            <a:off x="442020" y="1830417"/>
+            <a:off x="442020" y="1662968"/>
             <a:ext cx="3991426" cy="3604072"/>
           </a:xfrm>
           <a:prstGeom prst="rect">
@@ -16675,6 +16050,44 @@
           <a:p>
             <a:pPr lvl="0"/>
             <a:endParaRPr lang="ko-KR" altLang="en-US" dirty="0"/>
+          </a:p>
+        </p:txBody>
+      </p:sp>
+      <p:sp>
+        <p:nvSpPr>
+          <p:cNvPr id="11" name="TextBox 10"/>
+          <p:cNvSpPr txBox="1"/>
+          <p:nvPr/>
+        </p:nvSpPr>
+        <p:spPr>
+          <a:xfrm>
+            <a:off x="1158240" y="5622715"/>
+            <a:ext cx="7360609" cy="369332"/>
+          </a:xfrm>
+          <a:prstGeom prst="rect">
+            <a:avLst/>
+          </a:prstGeom>
+          <a:noFill/>
+        </p:spPr>
+        <p:txBody>
+          <a:bodyPr wrap="square">
+            <a:spAutoFit/>
+          </a:bodyPr>
+          <a:lstStyle/>
+          <a:p>
+            <a:pPr lvl="0"/>
+            <a:r>
+              <a:rPr lang="ko-KR" altLang="en-US" b="1" dirty="0"/>
+              <a:t>오프라인 면접에서의 과다한 면접준비비용 및 시간</a:t>
+            </a:r>
+            <a:r>
+              <a:rPr lang="en-US" altLang="ko-KR" b="1" dirty="0"/>
+              <a:t>,</a:t>
+            </a:r>
+            <a:r>
+              <a:rPr lang="ko-KR" altLang="en-US" b="1" dirty="0"/>
+              <a:t>공간적 비용 절감</a:t>
+            </a:r>
           </a:p>
         </p:txBody>
       </p:sp>
@@ -16828,7 +16241,7 @@
         </p:blipFill>
         <p:spPr>
           <a:xfrm>
-            <a:off x="4381407" y="1843063"/>
+            <a:off x="4381407" y="1675614"/>
             <a:ext cx="4436022" cy="3591426"/>
           </a:xfrm>
           <a:prstGeom prst="rect">
@@ -16836,41 +16249,6 @@
           </a:prstGeom>
         </p:spPr>
       </p:pic>
-      <p:cxnSp>
-        <p:nvCxnSpPr>
-          <p:cNvPr id="21" name="직선 연결선 20"/>
-          <p:cNvCxnSpPr/>
-          <p:nvPr/>
-        </p:nvCxnSpPr>
-        <p:spPr>
-          <a:xfrm>
-            <a:off x="1242174" y="2435290"/>
-            <a:ext cx="2621902" cy="18661"/>
-          </a:xfrm>
-          <a:prstGeom prst="line">
-            <a:avLst/>
-          </a:prstGeom>
-          <a:ln w="19050">
-            <a:solidFill>
-              <a:srgbClr val="C00000"/>
-            </a:solidFill>
-          </a:ln>
-        </p:spPr>
-        <p:style>
-          <a:lnRef idx="1">
-            <a:schemeClr val="accent1"/>
-          </a:lnRef>
-          <a:fillRef idx="0">
-            <a:schemeClr val="accent1"/>
-          </a:fillRef>
-          <a:effectRef idx="0">
-            <a:schemeClr val="accent1"/>
-          </a:effectRef>
-          <a:fontRef idx="minor">
-            <a:schemeClr val="tx1"/>
-          </a:fontRef>
-        </p:style>
-      </p:cxnSp>
     </p:spTree>
   </p:cSld>
   <p:clrMapOvr>
@@ -17614,7 +16992,7 @@
                 <a:ea typeface="함초롬바탕" pitchFamily="18" charset="-127"/>
                 <a:cs typeface="굴림" pitchFamily="50" charset="-127"/>
               </a:rPr>
-              <a:t>기술을 이용하여 기존의 오프라인 면접의 불편한 점들을 개선할 수 있는 시스템을 개발한다</a:t>
+              <a:t>기술을 이용하여 기존의 온라인 면접 시스템들의 불편한 점들을 개선하여 제공한다</a:t>
             </a:r>
             <a:r>
               <a:rPr kumimoji="1" lang="en-US" altLang="ko-KR" sz="2000" b="0" i="0" u="none" strike="noStrike" cap="none" normalizeH="0" baseline="0" dirty="0">
@@ -17767,22 +17145,7 @@
                 <a:ea typeface="함초롬바탕" pitchFamily="18" charset="-127"/>
                 <a:cs typeface="굴림" pitchFamily="50" charset="-127"/>
               </a:rPr>
-              <a:t>공간적 제약을 줄일 수 있는 시스템 개발한다</a:t>
-            </a:r>
-            <a:r>
-              <a:rPr kumimoji="1" lang="en-US" altLang="ko-KR" sz="2000" b="0" i="0" u="none" strike="noStrike" cap="none" normalizeH="0" baseline="0" dirty="0">
-                <a:ln>
-                  <a:noFill/>
-                </a:ln>
-                <a:solidFill>
-                  <a:srgbClr val="000000"/>
-                </a:solidFill>
-                <a:effectLst/>
-                <a:latin typeface="함초롬바탕" pitchFamily="18" charset="-127"/>
-                <a:ea typeface="함초롬바탕" pitchFamily="18" charset="-127"/>
-                <a:cs typeface="굴림" pitchFamily="50" charset="-127"/>
-              </a:rPr>
-              <a:t>.</a:t>
+              <a:t>공간적 제약을 줄일 수 있는 시스템 개발</a:t>
             </a:r>
             <a:endParaRPr kumimoji="1" lang="ko-KR" altLang="en-US" sz="600" b="0" i="0" u="none" strike="noStrike" cap="none" normalizeH="0" baseline="0" dirty="0">
               <a:ln>
@@ -17920,8 +17283,8 @@
         </p:nvSpPr>
         <p:spPr bwMode="auto">
           <a:xfrm>
-            <a:off x="1053465" y="4098431"/>
-            <a:ext cx="8090535" cy="1911350"/>
+            <a:off x="1053465" y="4086380"/>
+            <a:ext cx="7472363" cy="1911350"/>
           </a:xfrm>
           <a:prstGeom prst="rect">
             <a:avLst/>
@@ -18051,7 +17414,7 @@
                 <a:ea typeface="함초롬바탕" pitchFamily="18" charset="-127"/>
                 <a:cs typeface="굴림" pitchFamily="50" charset="-127"/>
               </a:rPr>
-              <a:t> 면접 지출 비용을 줄일 수 있다</a:t>
+              <a:t> 면접 비용을 줄일 수 있다</a:t>
             </a:r>
             <a:r>
               <a:rPr kumimoji="1" lang="en-US" altLang="ko-KR" sz="2000" b="0" i="0" u="none" strike="noStrike" cap="none" normalizeH="0" baseline="0" dirty="0">
@@ -19285,7 +18648,7 @@
             </a:r>
             <a:r>
               <a:rPr lang="ko-KR" altLang="en-US" dirty="0"/>
-              <a:t> 온라인 면접을 이용하는 화면</a:t>
+              <a:t> 온라인 면접을 이용하는 장면</a:t>
             </a:r>
           </a:p>
         </p:txBody>
